--- a/asp/unit-2/2_button.pptx
+++ b/asp/unit-2/2_button.pptx
@@ -4691,7 +4691,7 @@
           </a:p>
           <a:p>
             <a:r>
-              <a:rPr lang="en-US" dirty="0" smtClean="0">
+              <a:rPr lang="en-IN" dirty="0">
                 <a:solidFill>
                   <a:schemeClr val="accent4">
                     <a:lumMod val="50000"/>
@@ -4701,7 +4701,7 @@
               <a:t>&lt;</a:t>
             </a:r>
             <a:r>
-              <a:rPr lang="en-US" dirty="0" err="1">
+              <a:rPr lang="en-IN" dirty="0" err="1">
                 <a:solidFill>
                   <a:schemeClr val="accent4">
                     <a:lumMod val="50000"/>
@@ -4711,76 +4711,75 @@
               <a:t>asp:LinkButton</a:t>
             </a:r>
             <a:r>
-              <a:rPr lang="en-US" dirty="0">
+              <a:rPr lang="en-IN" dirty="0">
                 <a:solidFill>
                   <a:schemeClr val="accent4">
                     <a:lumMod val="50000"/>
                   </a:schemeClr>
                 </a:solidFill>
               </a:rPr>
-              <a:t> ID="</a:t>
-            </a:r>
-            <a:r>
-              <a:rPr lang="en-US" dirty="0" smtClean="0">
+              <a:t> ID="LinkButton2" </a:t>
+            </a:r>
+            <a:r>
+              <a:rPr lang="en-IN" dirty="0" err="1">
                 <a:solidFill>
                   <a:schemeClr val="accent4">
                     <a:lumMod val="50000"/>
                   </a:schemeClr>
                 </a:solidFill>
               </a:rPr>
-              <a:t>LinkButton1</a:t>
-            </a:r>
-            <a:r>
-              <a:rPr lang="en-US" dirty="0">
+              <a:t>runat</a:t>
+            </a:r>
+            <a:r>
+              <a:rPr lang="en-IN" dirty="0">
                 <a:solidFill>
                   <a:schemeClr val="accent4">
                     <a:lumMod val="50000"/>
                   </a:schemeClr>
                 </a:solidFill>
               </a:rPr>
-              <a:t>"</a:t>
-            </a:r>
-            <a:r>
-              <a:rPr lang="en-US" dirty="0" smtClean="0">
+              <a:t>="server"&gt;</a:t>
+            </a:r>
+            <a:r>
+              <a:rPr lang="en-IN" dirty="0" err="1">
                 <a:solidFill>
                   <a:schemeClr val="accent4">
                     <a:lumMod val="50000"/>
                   </a:schemeClr>
                 </a:solidFill>
               </a:rPr>
-              <a:t> </a:t>
-            </a:r>
-            <a:r>
-              <a:rPr lang="en-US" dirty="0" err="1" smtClean="0">
+              <a:t>LinkButton</a:t>
+            </a:r>
+            <a:r>
+              <a:rPr lang="en-IN" dirty="0">
                 <a:solidFill>
                   <a:schemeClr val="accent4">
                     <a:lumMod val="50000"/>
                   </a:schemeClr>
                 </a:solidFill>
               </a:rPr>
-              <a:t>runat</a:t>
-            </a:r>
-            <a:r>
-              <a:rPr lang="en-US" dirty="0">
+              <a:t>&lt;/</a:t>
+            </a:r>
+            <a:r>
+              <a:rPr lang="en-IN" dirty="0" err="1">
                 <a:solidFill>
                   <a:schemeClr val="accent4">
                     <a:lumMod val="50000"/>
                   </a:schemeClr>
                 </a:solidFill>
               </a:rPr>
-              <a:t>="</a:t>
-            </a:r>
-            <a:r>
-              <a:rPr lang="en-US" dirty="0" smtClean="0">
+              <a:t>asp:LinkButton</a:t>
+            </a:r>
+            <a:r>
+              <a:rPr lang="en-IN" dirty="0">
                 <a:solidFill>
                   <a:schemeClr val="accent4">
                     <a:lumMod val="50000"/>
                   </a:schemeClr>
                 </a:solidFill>
               </a:rPr>
-              <a:t>server“ /&gt;</a:t>
-            </a:r>
-            <a:endParaRPr lang="en-US" dirty="0" smtClean="0"/>
+              <a:t>&gt;</a:t>
+            </a:r>
           </a:p>
         </p:txBody>
       </p:sp>
